--- a/Ch4-函数/插图.pptx
+++ b/Ch4-函数/插图.pptx
@@ -105,6 +105,11 @@
       </a:defRPr>
     </a:lvl9pPr>
   </p:defaultTextStyle>
+  <p:extLst>
+    <p:ext uri="{EFAFB233-063F-42B5-8137-9DF3F51BA10A}">
+      <p15:sldGuideLst xmlns:p15="http://schemas.microsoft.com/office/powerpoint/2012/main"/>
+    </p:ext>
+  </p:extLst>
 </p:presentation>
 </file>
 
@@ -255,7 +260,7 @@
           <a:p>
             <a:fld id="{574FCFB0-0E71-45BC-A1B8-81F5A7D54260}" type="datetimeFigureOut">
               <a:rPr lang="zh-CN" altLang="en-US" smtClean="0"/>
-              <a:t>2023/3/18</a:t>
+              <a:t>2023/4/3</a:t>
             </a:fld>
             <a:endParaRPr lang="zh-CN" altLang="en-US"/>
           </a:p>
@@ -453,7 +458,7 @@
           <a:p>
             <a:fld id="{574FCFB0-0E71-45BC-A1B8-81F5A7D54260}" type="datetimeFigureOut">
               <a:rPr lang="zh-CN" altLang="en-US" smtClean="0"/>
-              <a:t>2023/3/18</a:t>
+              <a:t>2023/4/3</a:t>
             </a:fld>
             <a:endParaRPr lang="zh-CN" altLang="en-US"/>
           </a:p>
@@ -661,7 +666,7 @@
           <a:p>
             <a:fld id="{574FCFB0-0E71-45BC-A1B8-81F5A7D54260}" type="datetimeFigureOut">
               <a:rPr lang="zh-CN" altLang="en-US" smtClean="0"/>
-              <a:t>2023/3/18</a:t>
+              <a:t>2023/4/3</a:t>
             </a:fld>
             <a:endParaRPr lang="zh-CN" altLang="en-US"/>
           </a:p>
@@ -859,7 +864,7 @@
           <a:p>
             <a:fld id="{574FCFB0-0E71-45BC-A1B8-81F5A7D54260}" type="datetimeFigureOut">
               <a:rPr lang="zh-CN" altLang="en-US" smtClean="0"/>
-              <a:t>2023/3/18</a:t>
+              <a:t>2023/4/3</a:t>
             </a:fld>
             <a:endParaRPr lang="zh-CN" altLang="en-US"/>
           </a:p>
@@ -1134,7 +1139,7 @@
           <a:p>
             <a:fld id="{574FCFB0-0E71-45BC-A1B8-81F5A7D54260}" type="datetimeFigureOut">
               <a:rPr lang="zh-CN" altLang="en-US" smtClean="0"/>
-              <a:t>2023/3/18</a:t>
+              <a:t>2023/4/3</a:t>
             </a:fld>
             <a:endParaRPr lang="zh-CN" altLang="en-US"/>
           </a:p>
@@ -1399,7 +1404,7 @@
           <a:p>
             <a:fld id="{574FCFB0-0E71-45BC-A1B8-81F5A7D54260}" type="datetimeFigureOut">
               <a:rPr lang="zh-CN" altLang="en-US" smtClean="0"/>
-              <a:t>2023/3/18</a:t>
+              <a:t>2023/4/3</a:t>
             </a:fld>
             <a:endParaRPr lang="zh-CN" altLang="en-US"/>
           </a:p>
@@ -1811,7 +1816,7 @@
           <a:p>
             <a:fld id="{574FCFB0-0E71-45BC-A1B8-81F5A7D54260}" type="datetimeFigureOut">
               <a:rPr lang="zh-CN" altLang="en-US" smtClean="0"/>
-              <a:t>2023/3/18</a:t>
+              <a:t>2023/4/3</a:t>
             </a:fld>
             <a:endParaRPr lang="zh-CN" altLang="en-US"/>
           </a:p>
@@ -1952,7 +1957,7 @@
           <a:p>
             <a:fld id="{574FCFB0-0E71-45BC-A1B8-81F5A7D54260}" type="datetimeFigureOut">
               <a:rPr lang="zh-CN" altLang="en-US" smtClean="0"/>
-              <a:t>2023/3/18</a:t>
+              <a:t>2023/4/3</a:t>
             </a:fld>
             <a:endParaRPr lang="zh-CN" altLang="en-US"/>
           </a:p>
@@ -2065,7 +2070,7 @@
           <a:p>
             <a:fld id="{574FCFB0-0E71-45BC-A1B8-81F5A7D54260}" type="datetimeFigureOut">
               <a:rPr lang="zh-CN" altLang="en-US" smtClean="0"/>
-              <a:t>2023/3/18</a:t>
+              <a:t>2023/4/3</a:t>
             </a:fld>
             <a:endParaRPr lang="zh-CN" altLang="en-US"/>
           </a:p>
@@ -2376,7 +2381,7 @@
           <a:p>
             <a:fld id="{574FCFB0-0E71-45BC-A1B8-81F5A7D54260}" type="datetimeFigureOut">
               <a:rPr lang="zh-CN" altLang="en-US" smtClean="0"/>
-              <a:t>2023/3/18</a:t>
+              <a:t>2023/4/3</a:t>
             </a:fld>
             <a:endParaRPr lang="zh-CN" altLang="en-US"/>
           </a:p>
@@ -2664,7 +2669,7 @@
           <a:p>
             <a:fld id="{574FCFB0-0E71-45BC-A1B8-81F5A7D54260}" type="datetimeFigureOut">
               <a:rPr lang="zh-CN" altLang="en-US" smtClean="0"/>
-              <a:t>2023/3/18</a:t>
+              <a:t>2023/4/3</a:t>
             </a:fld>
             <a:endParaRPr lang="zh-CN" altLang="en-US"/>
           </a:p>
@@ -2905,7 +2910,7 @@
           <a:p>
             <a:fld id="{574FCFB0-0E71-45BC-A1B8-81F5A7D54260}" type="datetimeFigureOut">
               <a:rPr lang="zh-CN" altLang="en-US" smtClean="0"/>
-              <a:t>2023/3/18</a:t>
+              <a:t>2023/4/3</a:t>
             </a:fld>
             <a:endParaRPr lang="zh-CN" altLang="en-US"/>
           </a:p>
@@ -3322,6 +3327,631 @@
           <a:chExt cx="0" cy="0"/>
         </a:xfrm>
       </p:grpSpPr>
+      <p:grpSp>
+        <p:nvGrpSpPr>
+          <p:cNvPr id="16" name="组合 15">
+            <a:extLst>
+              <a:ext uri="{FF2B5EF4-FFF2-40B4-BE49-F238E27FC236}">
+                <a16:creationId xmlns:a16="http://schemas.microsoft.com/office/drawing/2014/main" id="{D8E2BB18-584F-C85B-E7BE-A4F4F3C7719A}"/>
+              </a:ext>
+            </a:extLst>
+          </p:cNvPr>
+          <p:cNvGrpSpPr/>
+          <p:nvPr/>
+        </p:nvGrpSpPr>
+        <p:grpSpPr>
+          <a:xfrm>
+            <a:off x="3978275" y="1838960"/>
+            <a:ext cx="4235450" cy="3180080"/>
+            <a:chOff x="0" y="0"/>
+            <a:chExt cx="7319818" cy="5226629"/>
+          </a:xfrm>
+        </p:grpSpPr>
+        <p:sp>
+          <p:nvSpPr>
+            <p:cNvPr id="17" name="矩形 16">
+              <a:extLst>
+                <a:ext uri="{FF2B5EF4-FFF2-40B4-BE49-F238E27FC236}">
+                  <a16:creationId xmlns:a16="http://schemas.microsoft.com/office/drawing/2014/main" id="{CE84D476-A3D4-71F9-F4D2-CD6EF7FEE153}"/>
+                </a:ext>
+              </a:extLst>
+            </p:cNvPr>
+            <p:cNvSpPr/>
+            <p:nvPr/>
+          </p:nvSpPr>
+          <p:spPr>
+            <a:xfrm>
+              <a:off x="0" y="0"/>
+              <a:ext cx="7319818" cy="5226629"/>
+            </a:xfrm>
+            <a:prstGeom prst="rect">
+              <a:avLst/>
+            </a:prstGeom>
+            <a:solidFill>
+              <a:schemeClr val="accent1">
+                <a:lumMod val="60000"/>
+                <a:lumOff val="40000"/>
+              </a:schemeClr>
+            </a:solidFill>
+            <a:ln>
+              <a:noFill/>
+            </a:ln>
+          </p:spPr>
+          <p:style>
+            <a:lnRef idx="2">
+              <a:schemeClr val="accent1">
+                <a:shade val="50000"/>
+              </a:schemeClr>
+            </a:lnRef>
+            <a:fillRef idx="1">
+              <a:schemeClr val="accent1"/>
+            </a:fillRef>
+            <a:effectRef idx="0">
+              <a:schemeClr val="accent1"/>
+            </a:effectRef>
+            <a:fontRef idx="minor">
+              <a:schemeClr val="lt1"/>
+            </a:fontRef>
+          </p:style>
+          <p:txBody>
+            <a:bodyPr rtlCol="0" anchor="ctr"/>
+            <a:lstStyle/>
+            <a:p>
+              <a:endParaRPr lang="zh-CN" altLang="en-US"/>
+            </a:p>
+          </p:txBody>
+        </p:sp>
+        <p:sp>
+          <p:nvSpPr>
+            <p:cNvPr id="18" name="文本框 2">
+              <a:extLst>
+                <a:ext uri="{FF2B5EF4-FFF2-40B4-BE49-F238E27FC236}">
+                  <a16:creationId xmlns:a16="http://schemas.microsoft.com/office/drawing/2014/main" id="{65AD7CC8-462D-2FD2-A8A1-64A8CCD92561}"/>
+                </a:ext>
+              </a:extLst>
+            </p:cNvPr>
+            <p:cNvSpPr txBox="1"/>
+            <p:nvPr/>
+          </p:nvSpPr>
+          <p:spPr>
+            <a:xfrm>
+              <a:off x="104762" y="84035"/>
+              <a:ext cx="755028" cy="801371"/>
+            </a:xfrm>
+            <a:prstGeom prst="rect">
+              <a:avLst/>
+            </a:prstGeom>
+            <a:noFill/>
+          </p:spPr>
+          <p:txBody>
+            <a:bodyPr wrap="none" rtlCol="0">
+              <a:spAutoFit/>
+            </a:bodyPr>
+            <a:lstStyle/>
+            <a:p>
+              <a:pPr algn="just"/>
+              <a:r>
+                <a:rPr lang="en-US" sz="2400" kern="1200">
+                  <a:solidFill>
+                    <a:srgbClr val="000000"/>
+                  </a:solidFill>
+                  <a:effectLst/>
+                  <a:latin typeface="Times New Roman" panose="02020603050405020304" pitchFamily="18" charset="0"/>
+                  <a:ea typeface="等线" panose="02010600030101010101" pitchFamily="2" charset="-122"/>
+                  <a:cs typeface="Times New Roman" panose="02020603050405020304" pitchFamily="18" charset="0"/>
+                </a:rPr>
+                <a:t>fn</a:t>
+              </a:r>
+              <a:endParaRPr lang="zh-CN" sz="1050" kern="100">
+                <a:effectLst/>
+                <a:latin typeface="等线" panose="02010600030101010101" pitchFamily="2" charset="-122"/>
+                <a:ea typeface="等线" panose="02010600030101010101" pitchFamily="2" charset="-122"/>
+                <a:cs typeface="Times New Roman" panose="02020603050405020304" pitchFamily="18" charset="0"/>
+              </a:endParaRPr>
+            </a:p>
+          </p:txBody>
+        </p:sp>
+        <p:sp>
+          <p:nvSpPr>
+            <p:cNvPr id="19" name="椭圆 18">
+              <a:extLst>
+                <a:ext uri="{FF2B5EF4-FFF2-40B4-BE49-F238E27FC236}">
+                  <a16:creationId xmlns:a16="http://schemas.microsoft.com/office/drawing/2014/main" id="{00916808-1EEF-A5E4-5EE4-4AF4CDC785DC}"/>
+                </a:ext>
+              </a:extLst>
+            </p:cNvPr>
+            <p:cNvSpPr/>
+            <p:nvPr/>
+          </p:nvSpPr>
+          <p:spPr>
+            <a:xfrm>
+              <a:off x="1101436" y="215509"/>
+              <a:ext cx="5116946" cy="4795610"/>
+            </a:xfrm>
+            <a:prstGeom prst="ellipse">
+              <a:avLst/>
+            </a:prstGeom>
+            <a:solidFill>
+              <a:schemeClr val="accent2">
+                <a:lumMod val="20000"/>
+                <a:lumOff val="80000"/>
+              </a:schemeClr>
+            </a:solidFill>
+            <a:ln>
+              <a:noFill/>
+            </a:ln>
+          </p:spPr>
+          <p:style>
+            <a:lnRef idx="2">
+              <a:schemeClr val="accent1">
+                <a:shade val="50000"/>
+              </a:schemeClr>
+            </a:lnRef>
+            <a:fillRef idx="1">
+              <a:schemeClr val="accent1"/>
+            </a:fillRef>
+            <a:effectRef idx="0">
+              <a:schemeClr val="accent1"/>
+            </a:effectRef>
+            <a:fontRef idx="minor">
+              <a:schemeClr val="lt1"/>
+            </a:fontRef>
+          </p:style>
+          <p:txBody>
+            <a:bodyPr rtlCol="0" anchor="ctr"/>
+            <a:lstStyle/>
+            <a:p>
+              <a:endParaRPr lang="zh-CN" altLang="en-US"/>
+            </a:p>
+          </p:txBody>
+        </p:sp>
+        <p:sp>
+          <p:nvSpPr>
+            <p:cNvPr id="20" name="文本框 4">
+              <a:extLst>
+                <a:ext uri="{FF2B5EF4-FFF2-40B4-BE49-F238E27FC236}">
+                  <a16:creationId xmlns:a16="http://schemas.microsoft.com/office/drawing/2014/main" id="{B7A04E48-A9C0-EF4F-AB26-0EB7AC151BFD}"/>
+                </a:ext>
+              </a:extLst>
+            </p:cNvPr>
+            <p:cNvSpPr txBox="1"/>
+            <p:nvPr/>
+          </p:nvSpPr>
+          <p:spPr>
+            <a:xfrm>
+              <a:off x="3246066" y="215509"/>
+              <a:ext cx="734177" cy="801372"/>
+            </a:xfrm>
+            <a:prstGeom prst="rect">
+              <a:avLst/>
+            </a:prstGeom>
+            <a:noFill/>
+          </p:spPr>
+          <p:txBody>
+            <a:bodyPr wrap="none" rtlCol="0">
+              <a:spAutoFit/>
+            </a:bodyPr>
+            <a:lstStyle/>
+            <a:p>
+              <a:pPr algn="just"/>
+              <a:r>
+                <a:rPr lang="en-US" sz="1800" kern="1200">
+                  <a:solidFill>
+                    <a:srgbClr val="000000"/>
+                  </a:solidFill>
+                  <a:effectLst/>
+                  <a:latin typeface="Times New Roman" panose="02020603050405020304" pitchFamily="18" charset="0"/>
+                  <a:ea typeface="等线" panose="02010600030101010101" pitchFamily="2" charset="-122"/>
+                  <a:cs typeface="Times New Roman" panose="02020603050405020304" pitchFamily="18" charset="0"/>
+                </a:rPr>
+                <a:t>Fn</a:t>
+              </a:r>
+              <a:endParaRPr lang="zh-CN" sz="1050" kern="100">
+                <a:effectLst/>
+                <a:latin typeface="等线" panose="02010600030101010101" pitchFamily="2" charset="-122"/>
+                <a:ea typeface="等线" panose="02010600030101010101" pitchFamily="2" charset="-122"/>
+                <a:cs typeface="Times New Roman" panose="02020603050405020304" pitchFamily="18" charset="0"/>
+              </a:endParaRPr>
+            </a:p>
+          </p:txBody>
+        </p:sp>
+        <p:sp>
+          <p:nvSpPr>
+            <p:cNvPr id="21" name="椭圆 20">
+              <a:extLst>
+                <a:ext uri="{FF2B5EF4-FFF2-40B4-BE49-F238E27FC236}">
+                  <a16:creationId xmlns:a16="http://schemas.microsoft.com/office/drawing/2014/main" id="{F5311D9A-F665-F246-9AC4-5C7D2C88A525}"/>
+                </a:ext>
+              </a:extLst>
+            </p:cNvPr>
+            <p:cNvSpPr/>
+            <p:nvPr/>
+          </p:nvSpPr>
+          <p:spPr>
+            <a:xfrm>
+              <a:off x="1823605" y="813232"/>
+              <a:ext cx="3672610" cy="3600171"/>
+            </a:xfrm>
+            <a:prstGeom prst="ellipse">
+              <a:avLst/>
+            </a:prstGeom>
+            <a:solidFill>
+              <a:schemeClr val="accent2">
+                <a:lumMod val="40000"/>
+                <a:lumOff val="60000"/>
+              </a:schemeClr>
+            </a:solidFill>
+            <a:ln>
+              <a:noFill/>
+            </a:ln>
+          </p:spPr>
+          <p:style>
+            <a:lnRef idx="2">
+              <a:schemeClr val="accent1">
+                <a:shade val="50000"/>
+              </a:schemeClr>
+            </a:lnRef>
+            <a:fillRef idx="1">
+              <a:schemeClr val="accent1"/>
+            </a:fillRef>
+            <a:effectRef idx="0">
+              <a:schemeClr val="accent1"/>
+            </a:effectRef>
+            <a:fontRef idx="minor">
+              <a:schemeClr val="lt1"/>
+            </a:fontRef>
+          </p:style>
+          <p:txBody>
+            <a:bodyPr rtlCol="0" anchor="ctr"/>
+            <a:lstStyle/>
+            <a:p>
+              <a:endParaRPr lang="zh-CN" altLang="en-US"/>
+            </a:p>
+          </p:txBody>
+        </p:sp>
+        <p:sp>
+          <p:nvSpPr>
+            <p:cNvPr id="22" name="文本框 6">
+              <a:extLst>
+                <a:ext uri="{FF2B5EF4-FFF2-40B4-BE49-F238E27FC236}">
+                  <a16:creationId xmlns:a16="http://schemas.microsoft.com/office/drawing/2014/main" id="{89BBC4F1-9639-B5E8-0093-812DAE8DF9C0}"/>
+                </a:ext>
+              </a:extLst>
+            </p:cNvPr>
+            <p:cNvSpPr txBox="1"/>
+            <p:nvPr/>
+          </p:nvSpPr>
+          <p:spPr>
+            <a:xfrm>
+              <a:off x="2938824" y="866966"/>
+              <a:ext cx="1651623" cy="801372"/>
+            </a:xfrm>
+            <a:prstGeom prst="rect">
+              <a:avLst/>
+            </a:prstGeom>
+            <a:noFill/>
+          </p:spPr>
+          <p:txBody>
+            <a:bodyPr wrap="square" rtlCol="0">
+              <a:spAutoFit/>
+            </a:bodyPr>
+            <a:lstStyle/>
+            <a:p>
+              <a:pPr algn="just"/>
+              <a:r>
+                <a:rPr lang="en-US" sz="1800" kern="1200">
+                  <a:solidFill>
+                    <a:srgbClr val="000000"/>
+                  </a:solidFill>
+                  <a:effectLst/>
+                  <a:latin typeface="Times New Roman" panose="02020603050405020304" pitchFamily="18" charset="0"/>
+                  <a:ea typeface="等线" panose="02010600030101010101" pitchFamily="2" charset="-122"/>
+                  <a:cs typeface="Times New Roman" panose="02020603050405020304" pitchFamily="18" charset="0"/>
+                </a:rPr>
+                <a:t>FnMut</a:t>
+              </a:r>
+              <a:endParaRPr lang="zh-CN" sz="1050" kern="100">
+                <a:effectLst/>
+                <a:latin typeface="等线" panose="02010600030101010101" pitchFamily="2" charset="-122"/>
+                <a:ea typeface="等线" panose="02010600030101010101" pitchFamily="2" charset="-122"/>
+                <a:cs typeface="Times New Roman" panose="02020603050405020304" pitchFamily="18" charset="0"/>
+              </a:endParaRPr>
+            </a:p>
+          </p:txBody>
+        </p:sp>
+        <p:sp>
+          <p:nvSpPr>
+            <p:cNvPr id="23" name="椭圆 22">
+              <a:extLst>
+                <a:ext uri="{FF2B5EF4-FFF2-40B4-BE49-F238E27FC236}">
+                  <a16:creationId xmlns:a16="http://schemas.microsoft.com/office/drawing/2014/main" id="{A3D44C8E-380D-53A8-5632-654251AFA19F}"/>
+                </a:ext>
+              </a:extLst>
+            </p:cNvPr>
+            <p:cNvSpPr/>
+            <p:nvPr/>
+          </p:nvSpPr>
+          <p:spPr>
+            <a:xfrm>
+              <a:off x="2528491" y="1537075"/>
+              <a:ext cx="2262835" cy="2152478"/>
+            </a:xfrm>
+            <a:prstGeom prst="ellipse">
+              <a:avLst/>
+            </a:prstGeom>
+            <a:solidFill>
+              <a:schemeClr val="accent2">
+                <a:lumMod val="60000"/>
+                <a:lumOff val="40000"/>
+              </a:schemeClr>
+            </a:solidFill>
+            <a:ln>
+              <a:noFill/>
+            </a:ln>
+          </p:spPr>
+          <p:style>
+            <a:lnRef idx="2">
+              <a:schemeClr val="accent1">
+                <a:shade val="50000"/>
+              </a:schemeClr>
+            </a:lnRef>
+            <a:fillRef idx="1">
+              <a:schemeClr val="accent1"/>
+            </a:fillRef>
+            <a:effectRef idx="0">
+              <a:schemeClr val="accent1"/>
+            </a:effectRef>
+            <a:fontRef idx="minor">
+              <a:schemeClr val="lt1"/>
+            </a:fontRef>
+          </p:style>
+          <p:txBody>
+            <a:bodyPr rtlCol="0" anchor="ctr"/>
+            <a:lstStyle/>
+            <a:p>
+              <a:endParaRPr lang="zh-CN" altLang="en-US"/>
+            </a:p>
+          </p:txBody>
+        </p:sp>
+        <p:sp>
+          <p:nvSpPr>
+            <p:cNvPr id="24" name="文本框 8">
+              <a:extLst>
+                <a:ext uri="{FF2B5EF4-FFF2-40B4-BE49-F238E27FC236}">
+                  <a16:creationId xmlns:a16="http://schemas.microsoft.com/office/drawing/2014/main" id="{FD67932B-D3AA-1DB4-515F-417A9C74B557}"/>
+                </a:ext>
+              </a:extLst>
+            </p:cNvPr>
+            <p:cNvSpPr txBox="1"/>
+            <p:nvPr/>
+          </p:nvSpPr>
+          <p:spPr>
+            <a:xfrm>
+              <a:off x="2863751" y="2282798"/>
+              <a:ext cx="1567121" cy="801372"/>
+            </a:xfrm>
+            <a:prstGeom prst="rect">
+              <a:avLst/>
+            </a:prstGeom>
+            <a:noFill/>
+          </p:spPr>
+          <p:txBody>
+            <a:bodyPr wrap="none" rtlCol="0">
+              <a:spAutoFit/>
+            </a:bodyPr>
+            <a:lstStyle/>
+            <a:p>
+              <a:pPr algn="just"/>
+              <a:r>
+                <a:rPr lang="en-US" sz="1800" kern="1200">
+                  <a:solidFill>
+                    <a:srgbClr val="000000"/>
+                  </a:solidFill>
+                  <a:effectLst/>
+                  <a:latin typeface="Times New Roman" panose="02020603050405020304" pitchFamily="18" charset="0"/>
+                  <a:ea typeface="等线" panose="02010600030101010101" pitchFamily="2" charset="-122"/>
+                  <a:cs typeface="Times New Roman" panose="02020603050405020304" pitchFamily="18" charset="0"/>
+                </a:rPr>
+                <a:t>FnOnce</a:t>
+              </a:r>
+              <a:endParaRPr lang="zh-CN" sz="1050" kern="100">
+                <a:effectLst/>
+                <a:latin typeface="等线" panose="02010600030101010101" pitchFamily="2" charset="-122"/>
+                <a:ea typeface="等线" panose="02010600030101010101" pitchFamily="2" charset="-122"/>
+                <a:cs typeface="Times New Roman" panose="02020603050405020304" pitchFamily="18" charset="0"/>
+              </a:endParaRPr>
+            </a:p>
+          </p:txBody>
+        </p:sp>
+        <p:sp>
+          <p:nvSpPr>
+            <p:cNvPr id="25" name="文本框 9">
+              <a:extLst>
+                <a:ext uri="{FF2B5EF4-FFF2-40B4-BE49-F238E27FC236}">
+                  <a16:creationId xmlns:a16="http://schemas.microsoft.com/office/drawing/2014/main" id="{290A2649-194B-66BA-5F62-AD443B87BDC0}"/>
+                </a:ext>
+              </a:extLst>
+            </p:cNvPr>
+            <p:cNvSpPr txBox="1"/>
+            <p:nvPr/>
+          </p:nvSpPr>
+          <p:spPr>
+            <a:xfrm>
+              <a:off x="104762" y="717089"/>
+              <a:ext cx="1930369" cy="475907"/>
+            </a:xfrm>
+            <a:prstGeom prst="rect">
+              <a:avLst/>
+            </a:prstGeom>
+            <a:noFill/>
+          </p:spPr>
+          <p:txBody>
+            <a:bodyPr wrap="none" rtlCol="0">
+              <a:spAutoFit/>
+            </a:bodyPr>
+            <a:lstStyle/>
+            <a:p>
+              <a:pPr algn="just"/>
+              <a:r>
+                <a:rPr lang="zh-CN" sz="1050" kern="100">
+                  <a:effectLst/>
+                  <a:latin typeface="等线" panose="02010600030101010101" pitchFamily="2" charset="-122"/>
+                  <a:ea typeface="宋体" panose="02010600030101010101" pitchFamily="2" charset="-122"/>
+                  <a:cs typeface="Times New Roman" panose="02020603050405020304" pitchFamily="18" charset="0"/>
+                </a:rPr>
+                <a:t>不捕获环境变量</a:t>
+              </a:r>
+              <a:endParaRPr lang="zh-CN" sz="1050" kern="100">
+                <a:effectLst/>
+                <a:latin typeface="等线" panose="02010600030101010101" pitchFamily="2" charset="-122"/>
+                <a:ea typeface="等线" panose="02010600030101010101" pitchFamily="2" charset="-122"/>
+                <a:cs typeface="Times New Roman" panose="02020603050405020304" pitchFamily="18" charset="0"/>
+              </a:endParaRPr>
+            </a:p>
+          </p:txBody>
+        </p:sp>
+        <p:sp>
+          <p:nvSpPr>
+            <p:cNvPr id="26" name="文本框 10">
+              <a:extLst>
+                <a:ext uri="{FF2B5EF4-FFF2-40B4-BE49-F238E27FC236}">
+                  <a16:creationId xmlns:a16="http://schemas.microsoft.com/office/drawing/2014/main" id="{CB20C10E-9FE9-B7C0-337E-2C6178D6CA35}"/>
+                </a:ext>
+              </a:extLst>
+            </p:cNvPr>
+            <p:cNvSpPr txBox="1"/>
+            <p:nvPr/>
+          </p:nvSpPr>
+          <p:spPr>
+            <a:xfrm>
+              <a:off x="2666407" y="4476599"/>
+              <a:ext cx="2160828" cy="475907"/>
+            </a:xfrm>
+            <a:prstGeom prst="rect">
+              <a:avLst/>
+            </a:prstGeom>
+            <a:noFill/>
+          </p:spPr>
+          <p:txBody>
+            <a:bodyPr wrap="none" rtlCol="0">
+              <a:spAutoFit/>
+            </a:bodyPr>
+            <a:lstStyle/>
+            <a:p>
+              <a:pPr algn="just"/>
+              <a:r>
+                <a:rPr lang="zh-CN" sz="1050" kern="100">
+                  <a:effectLst/>
+                  <a:latin typeface="等线" panose="02010600030101010101" pitchFamily="2" charset="-122"/>
+                  <a:ea typeface="宋体" panose="02010600030101010101" pitchFamily="2" charset="-122"/>
+                  <a:cs typeface="Times New Roman" panose="02020603050405020304" pitchFamily="18" charset="0"/>
+                </a:rPr>
+                <a:t>引用捕获环境变量</a:t>
+              </a:r>
+              <a:endParaRPr lang="zh-CN" sz="1050" kern="100">
+                <a:effectLst/>
+                <a:latin typeface="等线" panose="02010600030101010101" pitchFamily="2" charset="-122"/>
+                <a:ea typeface="等线" panose="02010600030101010101" pitchFamily="2" charset="-122"/>
+                <a:cs typeface="Times New Roman" panose="02020603050405020304" pitchFamily="18" charset="0"/>
+              </a:endParaRPr>
+            </a:p>
+          </p:txBody>
+        </p:sp>
+        <p:sp>
+          <p:nvSpPr>
+            <p:cNvPr id="27" name="文本框 11">
+              <a:extLst>
+                <a:ext uri="{FF2B5EF4-FFF2-40B4-BE49-F238E27FC236}">
+                  <a16:creationId xmlns:a16="http://schemas.microsoft.com/office/drawing/2014/main" id="{D0F74102-AF38-DCAC-2FF8-2E1EB445C22D}"/>
+                </a:ext>
+              </a:extLst>
+            </p:cNvPr>
+            <p:cNvSpPr txBox="1"/>
+            <p:nvPr/>
+          </p:nvSpPr>
+          <p:spPr>
+            <a:xfrm>
+              <a:off x="2441680" y="3780906"/>
+              <a:ext cx="2621746" cy="475907"/>
+            </a:xfrm>
+            <a:prstGeom prst="rect">
+              <a:avLst/>
+            </a:prstGeom>
+            <a:noFill/>
+          </p:spPr>
+          <p:txBody>
+            <a:bodyPr wrap="none" rtlCol="0">
+              <a:spAutoFit/>
+            </a:bodyPr>
+            <a:lstStyle/>
+            <a:p>
+              <a:pPr algn="just"/>
+              <a:r>
+                <a:rPr lang="zh-CN" sz="1050" kern="100">
+                  <a:effectLst/>
+                  <a:latin typeface="等线" panose="02010600030101010101" pitchFamily="2" charset="-122"/>
+                  <a:ea typeface="宋体" panose="02010600030101010101" pitchFamily="2" charset="-122"/>
+                  <a:cs typeface="Times New Roman" panose="02020603050405020304" pitchFamily="18" charset="0"/>
+                </a:rPr>
+                <a:t>可变引用捕获环境变量</a:t>
+              </a:r>
+              <a:endParaRPr lang="zh-CN" sz="1050" kern="100">
+                <a:effectLst/>
+                <a:latin typeface="等线" panose="02010600030101010101" pitchFamily="2" charset="-122"/>
+                <a:ea typeface="等线" panose="02010600030101010101" pitchFamily="2" charset="-122"/>
+                <a:cs typeface="Times New Roman" panose="02020603050405020304" pitchFamily="18" charset="0"/>
+              </a:endParaRPr>
+            </a:p>
+          </p:txBody>
+        </p:sp>
+        <p:sp>
+          <p:nvSpPr>
+            <p:cNvPr id="28" name="文本框 12">
+              <a:extLst>
+                <a:ext uri="{FF2B5EF4-FFF2-40B4-BE49-F238E27FC236}">
+                  <a16:creationId xmlns:a16="http://schemas.microsoft.com/office/drawing/2014/main" id="{3F7ABBD7-21CF-4A1A-EC1C-C746F4D99172}"/>
+                </a:ext>
+              </a:extLst>
+            </p:cNvPr>
+            <p:cNvSpPr txBox="1"/>
+            <p:nvPr/>
+          </p:nvSpPr>
+          <p:spPr>
+            <a:xfrm>
+              <a:off x="2441680" y="3001190"/>
+              <a:ext cx="2391287" cy="475907"/>
+            </a:xfrm>
+            <a:prstGeom prst="rect">
+              <a:avLst/>
+            </a:prstGeom>
+            <a:noFill/>
+          </p:spPr>
+          <p:txBody>
+            <a:bodyPr wrap="none" rtlCol="0">
+              <a:spAutoFit/>
+            </a:bodyPr>
+            <a:lstStyle/>
+            <a:p>
+              <a:pPr algn="just"/>
+              <a:r>
+                <a:rPr lang="zh-CN" sz="1050" kern="100">
+                  <a:effectLst/>
+                  <a:latin typeface="等线" panose="02010600030101010101" pitchFamily="2" charset="-122"/>
+                  <a:ea typeface="宋体" panose="02010600030101010101" pitchFamily="2" charset="-122"/>
+                  <a:cs typeface="Times New Roman" panose="02020603050405020304" pitchFamily="18" charset="0"/>
+                </a:rPr>
+                <a:t>获取环境变量所有权</a:t>
+              </a:r>
+              <a:endParaRPr lang="zh-CN" sz="1050" kern="100">
+                <a:effectLst/>
+                <a:latin typeface="等线" panose="02010600030101010101" pitchFamily="2" charset="-122"/>
+                <a:ea typeface="等线" panose="02010600030101010101" pitchFamily="2" charset="-122"/>
+                <a:cs typeface="Times New Roman" panose="02020603050405020304" pitchFamily="18" charset="0"/>
+              </a:endParaRPr>
+            </a:p>
+          </p:txBody>
+        </p:sp>
+      </p:grpSp>
     </p:spTree>
     <p:extLst>
       <p:ext uri="{BB962C8B-B14F-4D97-AF65-F5344CB8AC3E}">
